--- a/IOS之runtime的实践.pptx
+++ b/IOS之runtime的实践.pptx
@@ -5,7 +5,7 @@
     <p:sldMasterId id="2147483648" r:id="rId1"/>
   </p:sldMasterIdLst>
   <p:notesMasterIdLst>
-    <p:notesMasterId r:id="rId10"/>
+    <p:notesMasterId r:id="rId9"/>
   </p:notesMasterIdLst>
   <p:sldIdLst>
     <p:sldId id="257" r:id="rId3"/>
@@ -14,7 +14,6 @@
     <p:sldId id="292" r:id="rId6"/>
     <p:sldId id="290" r:id="rId7"/>
     <p:sldId id="289" r:id="rId8"/>
-    <p:sldId id="287" r:id="rId9"/>
   </p:sldIdLst>
   <p:sldSz cx="9144000" cy="6858000" type="screen4x3"/>
   <p:notesSz cx="6858000" cy="9144000"/>
@@ -5426,7 +5425,7 @@
         <p:spPr>
           <a:xfrm>
             <a:off x="990600" y="1295400"/>
-            <a:ext cx="7620000" cy="5303520"/>
+            <a:ext cx="7620000" cy="3408045"/>
           </a:xfrm>
           <a:prstGeom prst="rect">
             <a:avLst/>
@@ -5452,7 +5451,7 @@
               <a:rPr lang="en-US" altLang="x-none" sz="2200">
                 <a:latin typeface="Arial" panose="020B0604020202090204" pitchFamily="34" charset="0"/>
               </a:rPr>
-              <a:t>1.将某些OC代码转为运行时代码，探究底层，比如block的实现原理（上边已讲到）；</a:t>
+              <a:t>1.拦截系统自带的方法调用（Swizzle 黑魔法）,也可以说成对系统的方法进行替换，比如viewDidLoad、viewWillAppear</a:t>
             </a:r>
             <a:endParaRPr lang="en-US" altLang="x-none" sz="2200">
               <a:latin typeface="Arial" panose="020B0604020202090204" pitchFamily="34" charset="0"/>
@@ -5470,7 +5469,19 @@
               <a:rPr lang="en-US" altLang="x-none" sz="2200">
                 <a:latin typeface="Arial" panose="020B0604020202090204" pitchFamily="34" charset="0"/>
               </a:rPr>
-              <a:t>2.拦截系统自带的方法调用（Swizzle 黑魔法）,也可以说成对系统的方法进行替换，比如拦截imageNamed:、viewDidLoad、alloc；文／滕先洪（简书作者）  原文链接：http://www.jianshu.com/p/ab966e8a82e2</a:t>
+              <a:t>2.实现</a:t>
+            </a:r>
+            <a:r>
+              <a:rPr lang="zh-CN" altLang="en-US" sz="2200">
+                <a:latin typeface="Arial" panose="020B0604020202090204" pitchFamily="34" charset="0"/>
+              </a:rPr>
+              <a:t>为</a:t>
+            </a:r>
+            <a:r>
+              <a:rPr lang="en-US" altLang="x-none" sz="2200">
+                <a:latin typeface="Arial" panose="020B0604020202090204" pitchFamily="34" charset="0"/>
+              </a:rPr>
+              <a:t>分类增加属性；</a:t>
             </a:r>
             <a:endParaRPr lang="en-US" altLang="x-none" sz="2200">
               <a:latin typeface="Arial" panose="020B0604020202090204" pitchFamily="34" charset="0"/>
@@ -5488,25 +5499,7 @@
               <a:rPr lang="en-US" altLang="x-none" sz="2200">
                 <a:latin typeface="Arial" panose="020B0604020202090204" pitchFamily="34" charset="0"/>
               </a:rPr>
-              <a:t>3.实现分类也可以增加属性；</a:t>
-            </a:r>
-            <a:endParaRPr lang="en-US" altLang="x-none" sz="2200">
-              <a:latin typeface="Arial" panose="020B0604020202090204" pitchFamily="34" charset="0"/>
-            </a:endParaRPr>
-          </a:p>
-          <a:p>
-            <a:pPr>
-              <a:lnSpc>
-                <a:spcPct val="140000"/>
-              </a:lnSpc>
-              <a:buClrTx/>
-              <a:buFont typeface="Wingdings" panose="05000000000000000000" pitchFamily="2" charset="2"/>
-            </a:pPr>
-            <a:r>
-              <a:rPr lang="en-US" altLang="x-none" sz="2200">
-                <a:latin typeface="Arial" panose="020B0604020202090204" pitchFamily="34" charset="0"/>
-              </a:rPr>
-              <a:t>4.实现NSCoding的自动归档和自动解档；(不用对每个属性edcode和decode了,如果几十个属性一个个的encode和decode真的很麻烦啊,使用运行时可以遍历出每个对象的属性,数组的方式遍历eccode,decode)</a:t>
+              <a:t>3.实现NSCoding的自动归档和自动解档；(不用对每个属性edcode和decode了,如果几十个属性一个个的encode和decode真的很麻烦啊,使用运行时可以遍历出每个对象的属性,数组的方式遍历eccode,decode)</a:t>
             </a:r>
             <a:endParaRPr lang="en-US" altLang="x-none" sz="2200">
               <a:latin typeface="Arial" panose="020B0604020202090204" pitchFamily="34" charset="0"/>
@@ -5561,7 +5554,7 @@
                 <a:ea typeface="MS PGothic" charset="-128"/>
                 <a:cs typeface="+mn-cs"/>
               </a:rPr>
-              <a:t>5.实现字典和模型的自动转换(核心就是可以遍历出字典中的每个属性,json解析中大牛框架都用了这个特性,包括MJEXtension,YYModel，jsonModel都是将json转换为字典,再遍历字典中的每个属性来进行modle的转换)。</a:t>
+              <a:t>4.实现字典和模型的自动转换(核心就是可以遍历出字典中的每个属性,json解析中大牛框架都用了这个特性,包括MJEXtension,YYModel，jsonModel都是将json转换为字典,再遍历字典中的每个属性来进行modle的转换)。</a:t>
             </a:r>
             <a:br>
               <a:rPr lang="en-US" altLang="x-none" sz="2200" kern="1200">
@@ -5582,10 +5575,104 @@
                 <a:ea typeface="MS PGothic" charset="-128"/>
                 <a:cs typeface="+mn-cs"/>
               </a:rPr>
-              <a:t>6)动态增加方法  (动态的为某个类或对象增加一个方法,摘录文章中有详细介绍)</a:t>
+              <a:t>5.动态增加方法  (动态的为某个类或对象增加一个方法)</a:t>
             </a:r>
             <a:br>
               <a:rPr lang="en-US" altLang="x-none" sz="2200" kern="1200">
+                <a:solidFill>
+                  <a:schemeClr val="tx1"/>
+                </a:solidFill>
+                <a:latin typeface="Arial" panose="020B0604020202090204" pitchFamily="34" charset="0"/>
+                <a:ea typeface="MS PGothic" charset="-128"/>
+                <a:cs typeface="+mn-cs"/>
+              </a:rPr>
+            </a:br>
+            <a:r>
+              <a:rPr lang="en-US" altLang="x-none" sz="2200" kern="1200">
+                <a:solidFill>
+                  <a:schemeClr val="tx1"/>
+                </a:solidFill>
+                <a:latin typeface="Arial" panose="020B0604020202090204" pitchFamily="34" charset="0"/>
+                <a:ea typeface="MS PGothic" charset="-128"/>
+                <a:cs typeface="+mn-cs"/>
+              </a:rPr>
+              <a:t>6.避免一个button被多次点击</a:t>
+            </a:r>
+            <a:br>
+              <a:rPr lang="en-US" altLang="x-none" sz="2200" kern="1200">
+                <a:solidFill>
+                  <a:schemeClr val="tx1"/>
+                </a:solidFill>
+                <a:latin typeface="Arial" panose="020B0604020202090204" pitchFamily="34" charset="0"/>
+                <a:ea typeface="MS PGothic" charset="-128"/>
+                <a:cs typeface="+mn-cs"/>
+              </a:rPr>
+            </a:br>
+            <a:r>
+              <a:rPr lang="en-US" altLang="x-none" sz="2200" kern="1200">
+                <a:solidFill>
+                  <a:schemeClr val="tx1"/>
+                </a:solidFill>
+                <a:latin typeface="Arial" panose="020B0604020202090204" pitchFamily="34" charset="0"/>
+                <a:ea typeface="MS PGothic" charset="-128"/>
+                <a:cs typeface="+mn-cs"/>
+              </a:rPr>
+              <a:t>7.扩大button的点击范围</a:t>
+            </a:r>
+            <a:br>
+              <a:rPr lang="en-US" altLang="x-none" sz="2200" kern="1200">
+                <a:solidFill>
+                  <a:schemeClr val="tx1"/>
+                </a:solidFill>
+                <a:latin typeface="Arial" panose="020B0604020202090204" pitchFamily="34" charset="0"/>
+                <a:ea typeface="MS PGothic" charset="-128"/>
+                <a:cs typeface="+mn-cs"/>
+              </a:rPr>
+            </a:br>
+            <a:r>
+              <a:rPr lang="en-US" altLang="x-none" sz="2200" kern="1200">
+                <a:solidFill>
+                  <a:schemeClr val="tx1"/>
+                </a:solidFill>
+                <a:latin typeface="Arial" panose="020B0604020202090204" pitchFamily="34" charset="0"/>
+                <a:ea typeface="MS PGothic" charset="-128"/>
+                <a:cs typeface="+mn-cs"/>
+              </a:rPr>
+              <a:t>8.</a:t>
+            </a:r>
+            <a:r>
+              <a:rPr lang="zh-CN" altLang="en-US" sz="2200" kern="1200">
+                <a:solidFill>
+                  <a:schemeClr val="tx1"/>
+                </a:solidFill>
+                <a:latin typeface="Arial" panose="020B0604020202090204" pitchFamily="34" charset="0"/>
+                <a:ea typeface="MS PGothic" charset="-128"/>
+                <a:cs typeface="+mn-cs"/>
+              </a:rPr>
+              <a:t>为系统的导航栏测滑手势增加全屏的效果</a:t>
+            </a:r>
+            <a:br>
+              <a:rPr lang="zh-CN" altLang="en-US" sz="2200" kern="1200">
+                <a:solidFill>
+                  <a:schemeClr val="tx1"/>
+                </a:solidFill>
+                <a:latin typeface="Arial" panose="020B0604020202090204" pitchFamily="34" charset="0"/>
+                <a:ea typeface="MS PGothic" charset="-128"/>
+                <a:cs typeface="+mn-cs"/>
+              </a:rPr>
+            </a:br>
+            <a:br>
+              <a:rPr lang="zh-CN" altLang="en-US" sz="2200" kern="1200">
+                <a:solidFill>
+                  <a:schemeClr val="tx1"/>
+                </a:solidFill>
+                <a:latin typeface="Arial" panose="020B0604020202090204" pitchFamily="34" charset="0"/>
+                <a:ea typeface="MS PGothic" charset="-128"/>
+                <a:cs typeface="+mn-cs"/>
+              </a:rPr>
+            </a:br>
+            <a:br>
+              <a:rPr lang="zh-CN" altLang="en-US" sz="2200" kern="1200">
                 <a:solidFill>
                   <a:schemeClr val="tx1"/>
                 </a:solidFill>
@@ -5613,7 +5700,7 @@
                 <a:ea typeface="MS PGothic" charset="-128"/>
                 <a:cs typeface="+mn-cs"/>
               </a:rPr>
-              <a:t>7)动态变量控制  (动态对某个对象的变量的值进行替换,摘录文章有详细介绍)</a:t>
+              <a:t>开始之前我们首先需要介绍一个方法</a:t>
             </a:r>
             <a:br>
               <a:rPr lang="en-US" altLang="x-none" sz="2200" kern="1200">
@@ -5634,49 +5721,7 @@
                 <a:ea typeface="MS PGothic" charset="-128"/>
                 <a:cs typeface="+mn-cs"/>
               </a:rPr>
-              <a:t>8 避免一个button被多次点击</a:t>
-            </a:r>
-            <a:br>
-              <a:rPr lang="en-US" altLang="x-none" sz="2200" kern="1200">
-                <a:solidFill>
-                  <a:schemeClr val="tx1"/>
-                </a:solidFill>
-                <a:latin typeface="Arial" panose="020B0604020202090204" pitchFamily="34" charset="0"/>
-                <a:ea typeface="MS PGothic" charset="-128"/>
-                <a:cs typeface="+mn-cs"/>
-              </a:rPr>
-            </a:br>
-            <a:r>
-              <a:rPr lang="en-US" altLang="x-none" sz="2200" kern="1200">
-                <a:solidFill>
-                  <a:schemeClr val="tx1"/>
-                </a:solidFill>
-                <a:latin typeface="Arial" panose="020B0604020202090204" pitchFamily="34" charset="0"/>
-                <a:ea typeface="MS PGothic" charset="-128"/>
-                <a:cs typeface="+mn-cs"/>
-              </a:rPr>
-              <a:t>9、扩大button的点击范围</a:t>
-            </a:r>
-            <a:br>
-              <a:rPr lang="en-US" altLang="x-none" sz="2200" kern="1200">
-                <a:solidFill>
-                  <a:schemeClr val="tx1"/>
-                </a:solidFill>
-                <a:latin typeface="Arial" panose="020B0604020202090204" pitchFamily="34" charset="0"/>
-                <a:ea typeface="MS PGothic" charset="-128"/>
-                <a:cs typeface="+mn-cs"/>
-              </a:rPr>
-            </a:br>
-            <a:r>
-              <a:rPr lang="en-US" altLang="x-none" sz="2200" kern="1200">
-                <a:solidFill>
-                  <a:schemeClr val="tx1"/>
-                </a:solidFill>
-                <a:latin typeface="Arial" panose="020B0604020202090204" pitchFamily="34" charset="0"/>
-                <a:ea typeface="MS PGothic" charset="-128"/>
-                <a:cs typeface="+mn-cs"/>
-              </a:rPr>
-              <a:t>开始之前我们首先需要介绍一个方法- (UIView *)hitTest:(CGPoint)point withEvent:(UIEvent *)event</a:t>
+              <a:t>- (UIView *)hitTest:(CGPoint)point withEvent:(UIEvent *)event</a:t>
             </a:r>
             <a:br>
               <a:rPr lang="en-US" altLang="x-none" sz="2200" kern="1200">
@@ -6345,372 +6390,6 @@
               <a:cs typeface="+mn-cs"/>
               <a:sym typeface="+mn-ea"/>
             </a:endParaRPr>
-          </a:p>
-        </p:txBody>
-      </p:sp>
-    </p:spTree>
-  </p:cSld>
-  <p:clrMapOvr>
-    <a:masterClrMapping/>
-  </p:clrMapOvr>
-</p:sld>
-</file>
-
-<file path=ppt/slides/slide7.xml><?xml version="1.0" encoding="utf-8"?>
-<p:sld xmlns:a="http://schemas.openxmlformats.org/drawingml/2006/main" xmlns:r="http://schemas.openxmlformats.org/officeDocument/2006/relationships" xmlns:p="http://schemas.openxmlformats.org/presentationml/2006/main">
-  <p:cSld>
-    <p:spTree>
-      <p:nvGrpSpPr>
-        <p:cNvPr id="1" name=""/>
-        <p:cNvGrpSpPr/>
-        <p:nvPr/>
-      </p:nvGrpSpPr>
-      <p:grpSpPr/>
-      <p:sp>
-        <p:nvSpPr>
-          <p:cNvPr id="54273" name="Date Placeholder 3"/>
-          <p:cNvSpPr txBox="1">
-            <a:spLocks noGrp="1"/>
-          </p:cNvSpPr>
-          <p:nvPr>
-            <p:ph type="dt" sz="half" idx="10"/>
-          </p:nvPr>
-        </p:nvSpPr>
-        <p:spPr/>
-        <p:txBody>
-          <a:bodyPr anchor="b"/>
-          <a:lstStyle>
-            <a:lvl1pPr marL="0" lvl="0" indent="0" algn="l" defTabSz="914400" rtl="0" eaLnBrk="0" fontAlgn="base" latinLnBrk="0" hangingPunct="0">
-              <a:lnSpc>
-                <a:spcPct val="100000"/>
-              </a:lnSpc>
-              <a:spcBef>
-                <a:spcPct val="0"/>
-              </a:spcBef>
-              <a:spcAft>
-                <a:spcPct val="0"/>
-              </a:spcAft>
-              <a:buFont typeface="Arial" panose="020B0604020202090204" pitchFamily="34" charset="0"/>
-              <a:buNone/>
-              <a:defRPr sz="2400" b="0" i="0" u="none" kern="1200" baseline="0">
-                <a:solidFill>
-                  <a:schemeClr val="tx1"/>
-                </a:solidFill>
-                <a:latin typeface="Arial" panose="020B0604020202090204" pitchFamily="34" charset="0"/>
-                <a:ea typeface="MS PGothic" charset="-128"/>
-              </a:defRPr>
-            </a:lvl1pPr>
-            <a:lvl2pPr marL="457200" lvl="1" indent="0" algn="l" defTabSz="914400" rtl="0" eaLnBrk="1" fontAlgn="base" latinLnBrk="0" hangingPunct="1">
-              <a:lnSpc>
-                <a:spcPct val="100000"/>
-              </a:lnSpc>
-              <a:spcBef>
-                <a:spcPct val="0"/>
-              </a:spcBef>
-              <a:spcAft>
-                <a:spcPct val="0"/>
-              </a:spcAft>
-              <a:buFont typeface="Arial" panose="020B0604020202090204" pitchFamily="34" charset="0"/>
-              <a:buNone/>
-              <a:defRPr b="0" i="0" u="none" kern="1200" baseline="0">
-                <a:solidFill>
-                  <a:schemeClr val="tx1"/>
-                </a:solidFill>
-                <a:latin typeface="Arial" panose="020B0604020202090204" pitchFamily="34" charset="0"/>
-                <a:ea typeface="MS PGothic" charset="-128"/>
-                <a:cs typeface="+mn-cs"/>
-              </a:defRPr>
-            </a:lvl2pPr>
-            <a:lvl3pPr marL="914400" lvl="2" indent="0" algn="l" defTabSz="914400" rtl="0" eaLnBrk="1" fontAlgn="base" latinLnBrk="0" hangingPunct="1">
-              <a:lnSpc>
-                <a:spcPct val="100000"/>
-              </a:lnSpc>
-              <a:spcBef>
-                <a:spcPct val="0"/>
-              </a:spcBef>
-              <a:spcAft>
-                <a:spcPct val="0"/>
-              </a:spcAft>
-              <a:buFont typeface="Arial" panose="020B0604020202090204" pitchFamily="34" charset="0"/>
-              <a:buNone/>
-              <a:defRPr b="0" i="0" u="none" kern="1200" baseline="0">
-                <a:solidFill>
-                  <a:schemeClr val="tx1"/>
-                </a:solidFill>
-                <a:latin typeface="Arial" panose="020B0604020202090204" pitchFamily="34" charset="0"/>
-                <a:ea typeface="MS PGothic" charset="-128"/>
-                <a:cs typeface="+mn-cs"/>
-              </a:defRPr>
-            </a:lvl3pPr>
-            <a:lvl4pPr marL="1371600" lvl="3" indent="0" algn="l" defTabSz="914400" rtl="0" eaLnBrk="1" fontAlgn="base" latinLnBrk="0" hangingPunct="1">
-              <a:lnSpc>
-                <a:spcPct val="100000"/>
-              </a:lnSpc>
-              <a:spcBef>
-                <a:spcPct val="0"/>
-              </a:spcBef>
-              <a:spcAft>
-                <a:spcPct val="0"/>
-              </a:spcAft>
-              <a:buFont typeface="Arial" panose="020B0604020202090204" pitchFamily="34" charset="0"/>
-              <a:buNone/>
-              <a:defRPr b="0" i="0" u="none" kern="1200" baseline="0">
-                <a:solidFill>
-                  <a:schemeClr val="tx1"/>
-                </a:solidFill>
-                <a:latin typeface="Arial" panose="020B0604020202090204" pitchFamily="34" charset="0"/>
-                <a:ea typeface="MS PGothic" charset="-128"/>
-                <a:cs typeface="+mn-cs"/>
-              </a:defRPr>
-            </a:lvl4pPr>
-            <a:lvl5pPr marL="1828800" lvl="4" indent="0" algn="l" defTabSz="914400" rtl="0" eaLnBrk="1" fontAlgn="base" latinLnBrk="0" hangingPunct="1">
-              <a:lnSpc>
-                <a:spcPct val="100000"/>
-              </a:lnSpc>
-              <a:spcBef>
-                <a:spcPct val="0"/>
-              </a:spcBef>
-              <a:spcAft>
-                <a:spcPct val="0"/>
-              </a:spcAft>
-              <a:buFont typeface="Arial" panose="020B0604020202090204" pitchFamily="34" charset="0"/>
-              <a:buNone/>
-              <a:defRPr b="0" i="0" u="none" kern="1200" baseline="0">
-                <a:solidFill>
-                  <a:schemeClr val="tx1"/>
-                </a:solidFill>
-                <a:latin typeface="Arial" panose="020B0604020202090204" pitchFamily="34" charset="0"/>
-                <a:ea typeface="MS PGothic" charset="-128"/>
-                <a:cs typeface="+mn-cs"/>
-              </a:defRPr>
-            </a:lvl5pPr>
-          </a:lstStyle>
-          <a:p>
-            <a:pPr lvl="0" eaLnBrk="1" hangingPunct="1">
-              <a:buClrTx/>
-            </a:pPr>
-            <a:fld id="{BB962C8B-B14F-4D97-AF65-F5344CB8AC3E}" type="datetime1">
-              <a:rPr lang="en-US" altLang="x-none" sz="1100" dirty="0">
-                <a:solidFill>
-                  <a:schemeClr val="tx2"/>
-                </a:solidFill>
-              </a:rPr>
-            </a:fld>
-            <a:endParaRPr lang="en-US" altLang="x-none" sz="1100" dirty="0">
-              <a:solidFill>
-                <a:schemeClr val="tx2"/>
-              </a:solidFill>
-            </a:endParaRPr>
-          </a:p>
-        </p:txBody>
-      </p:sp>
-      <p:sp>
-        <p:nvSpPr>
-          <p:cNvPr id="54274" name="Rectangle 2"/>
-          <p:cNvSpPr>
-            <a:spLocks noGrp="1"/>
-          </p:cNvSpPr>
-          <p:nvPr>
-            <p:ph type="title"/>
-          </p:nvPr>
-        </p:nvSpPr>
-        <p:spPr>
-          <a:xfrm>
-            <a:off x="914400" y="533400"/>
-            <a:ext cx="7772400" cy="914400"/>
-          </a:xfrm>
-        </p:spPr>
-        <p:txBody>
-          <a:bodyPr vert="horz" wrap="square" lIns="91440" tIns="45720" rIns="91440" bIns="45720" anchor="t"/>
-          <a:p>
-            <a:pPr eaLnBrk="1" hangingPunct="1"/>
-            <a:r>
-              <a:rPr lang="zh-CN" altLang="en-US"/>
-              <a:t>学习推荐</a:t>
-            </a:r>
-            <a:endParaRPr lang="zh-CN" altLang="en-US"/>
-          </a:p>
-        </p:txBody>
-      </p:sp>
-      <p:sp>
-        <p:nvSpPr>
-          <p:cNvPr id="54275" name="Rectangle 3"/>
-          <p:cNvSpPr>
-            <a:spLocks noGrp="1"/>
-          </p:cNvSpPr>
-          <p:nvPr>
-            <p:ph idx="1"/>
-          </p:nvPr>
-        </p:nvSpPr>
-        <p:spPr>
-          <a:xfrm>
-            <a:off x="990600" y="1371600"/>
-            <a:ext cx="7772400" cy="4572000"/>
-          </a:xfrm>
-        </p:spPr>
-        <p:txBody>
-          <a:bodyPr vert="horz" wrap="square" lIns="91440" tIns="45720" rIns="91440" bIns="45720" anchor="t"/>
-          <a:p>
-            <a:pPr marL="641350" indent="-571500" eaLnBrk="1" hangingPunct="1">
-              <a:buNone/>
-            </a:pPr>
-            <a:r>
-              <a:rPr lang="en-US" altLang="zh-CN" sz="2000"/>
-              <a:t>1.</a:t>
-            </a:r>
-            <a:r>
-              <a:rPr lang="en-US" altLang="zh-CN" sz="2000">
-                <a:hlinkClick r:id="rId1"/>
-              </a:rPr>
-              <a:t>http://www.cocoachina.com/</a:t>
-            </a:r>
-            <a:r>
-              <a:rPr lang="en-US" altLang="zh-CN" sz="2000"/>
-              <a:t> </a:t>
-            </a:r>
-            <a:r>
-              <a:rPr lang="zh-CN" altLang="en-US" sz="2000"/>
-              <a:t>最热门的</a:t>
-            </a:r>
-            <a:r>
-              <a:rPr lang="en-US" altLang="zh-CN" sz="2000"/>
-              <a:t>IOS</a:t>
-            </a:r>
-            <a:r>
-              <a:rPr lang="zh-CN" altLang="en-US" sz="2000"/>
-              <a:t>开发论坛</a:t>
-            </a:r>
-            <a:endParaRPr lang="zh-CN" altLang="en-US" sz="2000"/>
-          </a:p>
-          <a:p>
-            <a:pPr marL="641350" indent="-571500" eaLnBrk="1" hangingPunct="1">
-              <a:buNone/>
-            </a:pPr>
-            <a:r>
-              <a:rPr lang="en-US" altLang="zh-CN" sz="2000"/>
-              <a:t>2. </a:t>
-            </a:r>
-            <a:r>
-              <a:rPr lang="en-US" altLang="zh-CN" sz="2000">
-                <a:hlinkClick r:id="rId2"/>
-              </a:rPr>
-              <a:t>http://code4app.com/</a:t>
-            </a:r>
-            <a:r>
-              <a:rPr lang="en-US" altLang="zh-CN" sz="2000"/>
-              <a:t>  </a:t>
-            </a:r>
-            <a:r>
-              <a:rPr lang="zh-CN" altLang="en-US" sz="2000"/>
-              <a:t>提供一些常用的自定义控件等等的源码</a:t>
-            </a:r>
-            <a:endParaRPr lang="zh-CN" altLang="en-US" sz="2000"/>
-          </a:p>
-          <a:p>
-            <a:pPr marL="641350" indent="-571500" eaLnBrk="1" hangingPunct="1">
-              <a:buNone/>
-            </a:pPr>
-            <a:r>
-              <a:rPr lang="en-US" altLang="zh-CN" sz="2000"/>
-              <a:t>3. </a:t>
-            </a:r>
-            <a:r>
-              <a:rPr lang="en-US" altLang="zh-CN" sz="2000">
-                <a:hlinkClick r:id="rId3"/>
-              </a:rPr>
-              <a:t>https://developer.apple.com/library/ios/navigation/</a:t>
-            </a:r>
-            <a:r>
-              <a:rPr lang="zh-CN" altLang="en-US" sz="2000"/>
-              <a:t> 官方</a:t>
-            </a:r>
-            <a:r>
-              <a:rPr lang="en-US" altLang="zh-CN" sz="2000"/>
-              <a:t>API </a:t>
-            </a:r>
-            <a:endParaRPr lang="en-US" altLang="zh-CN" sz="2000"/>
-          </a:p>
-          <a:p>
-            <a:pPr marL="641350" indent="-571500" eaLnBrk="1" hangingPunct="1">
-              <a:buNone/>
-            </a:pPr>
-            <a:r>
-              <a:rPr lang="en-US" altLang="zh-CN" sz="2000"/>
-              <a:t>4. </a:t>
-            </a:r>
-            <a:r>
-              <a:rPr lang="en-US" altLang="zh-CN" sz="2000">
-                <a:hlinkClick r:id="rId4"/>
-              </a:rPr>
-              <a:t>http://www.jikexueyuan.com/</a:t>
-            </a:r>
-            <a:r>
-              <a:rPr lang="en-US" altLang="zh-CN" sz="2000"/>
-              <a:t> </a:t>
-            </a:r>
-            <a:r>
-              <a:rPr lang="zh-CN" altLang="en-US" sz="2000"/>
-              <a:t>极客学院</a:t>
-            </a:r>
-            <a:endParaRPr lang="zh-CN" altLang="en-US" sz="2000"/>
-          </a:p>
-          <a:p>
-            <a:pPr marL="641350" indent="-571500" eaLnBrk="1" hangingPunct="1">
-              <a:buNone/>
-            </a:pPr>
-            <a:r>
-              <a:rPr lang="en-US" altLang="zh-CN" sz="2000"/>
-              <a:t>5. </a:t>
-            </a:r>
-            <a:r>
-              <a:rPr lang="en-US" altLang="zh-CN" sz="2000">
-                <a:hlinkClick r:id="rId5"/>
-              </a:rPr>
-              <a:t>http://v.163.com/special/test/alltest.html</a:t>
-            </a:r>
-            <a:r>
-              <a:rPr lang="zh-CN" altLang="en-US" sz="2000"/>
-              <a:t> 网易公开课</a:t>
-            </a:r>
-            <a:endParaRPr lang="en-US" altLang="zh-CN" sz="2000"/>
-          </a:p>
-          <a:p>
-            <a:pPr marL="641350" indent="-571500" eaLnBrk="1" hangingPunct="1">
-              <a:buNone/>
-            </a:pPr>
-            <a:r>
-              <a:rPr lang="zh-CN" altLang="zh-CN" sz="2000"/>
-              <a:t>6</a:t>
-            </a:r>
-            <a:r>
-              <a:rPr lang="zh-CN" altLang="en-US" sz="2000"/>
-              <a:t>、李明杰（黑马程序员）</a:t>
-            </a:r>
-            <a:endParaRPr lang="en-US" altLang="zh-CN" sz="2000"/>
-          </a:p>
-          <a:p>
-            <a:pPr marL="641350" indent="-571500" eaLnBrk="1" hangingPunct="1">
-              <a:buNone/>
-            </a:pPr>
-            <a:r>
-              <a:rPr lang="zh-CN" altLang="zh-CN" sz="2000"/>
-              <a:t>7</a:t>
-            </a:r>
-            <a:r>
-              <a:rPr lang="zh-CN" altLang="en-US" sz="2000"/>
-              <a:t>、</a:t>
-            </a:r>
-            <a:r>
-              <a:rPr lang="en-US" altLang="zh-CN" sz="2000">
-                <a:hlinkClick r:id="rId6"/>
-              </a:rPr>
-              <a:t>http://blog.devtang.com/</a:t>
-            </a:r>
-            <a:r>
-              <a:rPr lang="zh-CN" altLang="en-US" sz="2000"/>
-              <a:t> 唐巧的技术博客</a:t>
-            </a:r>
-            <a:endParaRPr lang="zh-CN" altLang="en-US" sz="2000"/>
           </a:p>
         </p:txBody>
       </p:sp>
